--- a/NetAgent/src/main/resources/CourierActivityNetAgent.pptx
+++ b/NetAgent/src/main/resources/CourierActivityNetAgent.pptx
@@ -454,7 +454,7 @@
                 </a:solidFill>
                 <a:latin typeface="Arial"/>
               </a:rPr>
-              <a:t>6/17/2022 1:42 AM</a:t>
+              <a:t>6/19/2022 9:45 PM</a:t>
             </a:r>
           </a:p>
         </p:txBody>
@@ -740,7 +740,7 @@
                 </a:solidFill>
                 <a:latin typeface="Arial"/>
               </a:rPr>
-              <a:t>6/17/2022 1:42 AM</a:t>
+              <a:t>6/19/2022 9:45 PM</a:t>
             </a:r>
           </a:p>
         </p:txBody>
@@ -999,7 +999,7 @@
                 </a:solidFill>
                 <a:latin typeface="Arial"/>
               </a:rPr>
-              <a:t>6/17/2022 1:42 AM</a:t>
+              <a:t>6/19/2022 9:45 PM</a:t>
             </a:r>
           </a:p>
         </p:txBody>

--- a/NetAgent/src/main/resources/CourierActivityNetAgent.pptx
+++ b/NetAgent/src/main/resources/CourierActivityNetAgent.pptx
@@ -454,7 +454,7 @@
                 </a:solidFill>
                 <a:latin typeface="Arial"/>
               </a:rPr>
-              <a:t>6/19/2022 9:45 PM</a:t>
+              <a:t>6/21/2022 12:42 AM</a:t>
             </a:r>
           </a:p>
         </p:txBody>
@@ -740,7 +740,7 @@
                 </a:solidFill>
                 <a:latin typeface="Arial"/>
               </a:rPr>
-              <a:t>6/19/2022 9:45 PM</a:t>
+              <a:t>6/21/2022 12:42 AM</a:t>
             </a:r>
           </a:p>
         </p:txBody>
@@ -999,7 +999,7 @@
                 </a:solidFill>
                 <a:latin typeface="Arial"/>
               </a:rPr>
-              <a:t>6/19/2022 9:45 PM</a:t>
+              <a:t>6/21/2022 12:42 AM</a:t>
             </a:r>
           </a:p>
         </p:txBody>
